--- a/slides/Roadmap3.pptx
+++ b/slides/Roadmap3.pptx
@@ -1744,7 +1744,23 @@
         <a:p>
           <a:r>
             <a:rPr lang="en-US" dirty="0" smtClean="0"/>
-            <a:t>Normality, homoscedasticity, linearity and independence</a:t>
+            <a:t>Measurement error, normality</a:t>
+          </a:r>
+          <a:r>
+            <a:rPr lang="en-US" dirty="0" smtClean="0"/>
+            <a:t>, </a:t>
+          </a:r>
+          <a:r>
+            <a:rPr lang="en-US" dirty="0" smtClean="0"/>
+            <a:t>linearity, homoscedasticity</a:t>
+          </a:r>
+          <a:r>
+            <a:rPr lang="en-US" dirty="0" smtClean="0"/>
+            <a:t>, </a:t>
+          </a:r>
+          <a:r>
+            <a:rPr lang="en-US" dirty="0" smtClean="0"/>
+            <a:t>and independence</a:t>
           </a:r>
           <a:endParaRPr lang="en-US" dirty="0"/>
         </a:p>
@@ -1855,7 +1871,11 @@
         <a:p>
           <a:r>
             <a:rPr lang="en-US" dirty="0" smtClean="0"/>
-            <a:t>Correlation and causality</a:t>
+            <a:t>Correlation…and </a:t>
+          </a:r>
+          <a:r>
+            <a:rPr lang="en-US" dirty="0" smtClean="0"/>
+            <a:t>causality</a:t>
           </a:r>
           <a:endParaRPr lang="en-US" dirty="0"/>
         </a:p>
@@ -1883,45 +1903,8 @@
         </a:p>
       </dgm:t>
     </dgm:pt>
-    <dgm:pt modelId="{83DEBF6B-92CA-411F-83FF-2AD400D0210A}">
-      <dgm:prSet/>
-      <dgm:spPr/>
-      <dgm:t>
-        <a:bodyPr/>
-        <a:lstStyle/>
-        <a:p>
-          <a:r>
-            <a:rPr lang="en-US" smtClean="0"/>
-            <a:t>Residuals: raw, studentized &amp; standardized</a:t>
-          </a:r>
-          <a:endParaRPr lang="en-US" dirty="0"/>
-        </a:p>
-      </dgm:t>
-    </dgm:pt>
-    <dgm:pt modelId="{5F74C24E-B2F6-4659-BDCC-ADE3EDB42EA5}" type="parTrans" cxnId="{8025E629-8357-4CB4-9A3D-26DD24EA1BCC}">
-      <dgm:prSet/>
-      <dgm:spPr/>
-      <dgm:t>
-        <a:bodyPr/>
-        <a:lstStyle/>
-        <a:p>
-          <a:endParaRPr lang="en-US"/>
-        </a:p>
-      </dgm:t>
-    </dgm:pt>
-    <dgm:pt modelId="{96A58B82-86D1-4F64-80AE-23923E4246EC}" type="sibTrans" cxnId="{8025E629-8357-4CB4-9A3D-26DD24EA1BCC}">
-      <dgm:prSet/>
-      <dgm:spPr/>
-      <dgm:t>
-        <a:bodyPr/>
-        <a:lstStyle/>
-        <a:p>
-          <a:endParaRPr lang="en-US"/>
-        </a:p>
-      </dgm:t>
-    </dgm:pt>
-    <dgm:pt modelId="{04142C87-4ACB-4D85-94BA-0E46F0BA3A0B}">
-      <dgm:prSet/>
+    <dgm:pt modelId="{C5716A3D-F799-416B-9E44-F935B9390DD5}">
+      <dgm:prSet phldrT="[Text]"/>
       <dgm:spPr/>
       <dgm:t>
         <a:bodyPr/>
@@ -1935,7 +1918,7 @@
         </a:p>
       </dgm:t>
     </dgm:pt>
-    <dgm:pt modelId="{752FD499-19CB-460E-B902-E69FAD5602D9}" type="parTrans" cxnId="{46C14902-FC32-4B88-ADC5-E5F80F74D545}">
+    <dgm:pt modelId="{155A95F4-E909-45C5-9B1F-078690918165}" type="parTrans" cxnId="{E304D7B4-BDCF-484F-9D64-913A186E924F}">
       <dgm:prSet/>
       <dgm:spPr/>
       <dgm:t>
@@ -1946,7 +1929,93 @@
         </a:p>
       </dgm:t>
     </dgm:pt>
-    <dgm:pt modelId="{6E781A7E-58FE-4B37-B1D1-873B19229AA1}" type="sibTrans" cxnId="{46C14902-FC32-4B88-ADC5-E5F80F74D545}">
+    <dgm:pt modelId="{76983B5E-954B-4C31-B01E-3B17BF43F7F6}" type="sibTrans" cxnId="{E304D7B4-BDCF-484F-9D64-913A186E924F}">
+      <dgm:prSet/>
+      <dgm:spPr/>
+      <dgm:t>
+        <a:bodyPr/>
+        <a:lstStyle/>
+        <a:p>
+          <a:endParaRPr lang="en-US"/>
+        </a:p>
+      </dgm:t>
+    </dgm:pt>
+    <dgm:pt modelId="{88DCB6DD-65EA-4D2C-B057-1EE122DB965B}">
+      <dgm:prSet phldrT="[Text]"/>
+      <dgm:spPr/>
+      <dgm:t>
+        <a:bodyPr/>
+        <a:lstStyle/>
+        <a:p>
+          <a:r>
+            <a:rPr lang="en-US" dirty="0" smtClean="0"/>
+            <a:t>Residuals</a:t>
+          </a:r>
+          <a:r>
+            <a:rPr lang="en-US" dirty="0" smtClean="0"/>
+            <a:t>: raw, </a:t>
+          </a:r>
+          <a:r>
+            <a:rPr lang="en-US" dirty="0" err="1" smtClean="0"/>
+            <a:t>studentized</a:t>
+          </a:r>
+          <a:r>
+            <a:rPr lang="en-US" dirty="0" smtClean="0"/>
+            <a:t> &amp; standardized</a:t>
+          </a:r>
+          <a:endParaRPr lang="en-US" dirty="0"/>
+        </a:p>
+      </dgm:t>
+    </dgm:pt>
+    <dgm:pt modelId="{50045229-C663-4CF5-A827-69438766CFF9}" type="parTrans" cxnId="{053A7ACB-2E39-405F-B090-757AD48AE176}">
+      <dgm:prSet/>
+      <dgm:spPr/>
+      <dgm:t>
+        <a:bodyPr/>
+        <a:lstStyle/>
+        <a:p>
+          <a:endParaRPr lang="en-US"/>
+        </a:p>
+      </dgm:t>
+    </dgm:pt>
+    <dgm:pt modelId="{C46A6EB2-3ECE-4E30-B1E8-A692B43542DA}" type="sibTrans" cxnId="{053A7ACB-2E39-405F-B090-757AD48AE176}">
+      <dgm:prSet/>
+      <dgm:spPr/>
+      <dgm:t>
+        <a:bodyPr/>
+        <a:lstStyle/>
+        <a:p>
+          <a:endParaRPr lang="en-US"/>
+        </a:p>
+      </dgm:t>
+    </dgm:pt>
+    <dgm:pt modelId="{0F818D36-FCCA-4DC5-AA6C-B2DADC67EEB4}">
+      <dgm:prSet phldrT="[Text]"/>
+      <dgm:spPr/>
+      <dgm:t>
+        <a:bodyPr/>
+        <a:lstStyle/>
+        <a:p>
+          <a:r>
+            <a:rPr lang="en-US" dirty="0" smtClean="0"/>
+            <a:t>Outliers</a:t>
+          </a:r>
+          <a:endParaRPr lang="en-US" dirty="0"/>
+        </a:p>
+      </dgm:t>
+    </dgm:pt>
+    <dgm:pt modelId="{1784B3FA-4E9F-4032-AF1E-20F41C588576}" type="parTrans" cxnId="{5958F67A-2312-488F-96B2-759F9CB29221}">
+      <dgm:prSet/>
+      <dgm:spPr/>
+      <dgm:t>
+        <a:bodyPr/>
+        <a:lstStyle/>
+        <a:p>
+          <a:endParaRPr lang="en-US"/>
+        </a:p>
+      </dgm:t>
+    </dgm:pt>
+    <dgm:pt modelId="{2D45BE66-DBB4-4A48-8FE8-E04EC97F5890}" type="sibTrans" cxnId="{5958F67A-2312-488F-96B2-759F9CB29221}">
       <dgm:prSet/>
       <dgm:spPr/>
       <dgm:t>
@@ -2092,6 +2161,7 @@
     </dgm:pt>
   </dgm:ptLst>
   <dgm:cxnLst>
+    <dgm:cxn modelId="{5958F67A-2312-488F-96B2-759F9CB29221}" srcId="{989B89E7-4C20-4B35-9A45-23829166F101}" destId="{0F818D36-FCCA-4DC5-AA6C-B2DADC67EEB4}" srcOrd="2" destOrd="0" parTransId="{1784B3FA-4E9F-4032-AF1E-20F41C588576}" sibTransId="{2D45BE66-DBB4-4A48-8FE8-E04EC97F5890}"/>
     <dgm:cxn modelId="{53630368-9E9B-492B-9FAF-A79F85678D97}" srcId="{CA1B342D-39AA-41E0-AD3D-1B17F288E780}" destId="{031615EA-FA11-4107-8245-27C82B969141}" srcOrd="1" destOrd="0" parTransId="{1A2EAF4A-ACB9-408B-BB4F-FB0B590C50A4}" sibTransId="{1818ADAF-D8F6-4EE7-BE09-6A80370DD8CE}"/>
     <dgm:cxn modelId="{C7332C92-F558-4134-93E8-B314CFA707DC}" type="presOf" srcId="{989B89E7-4C20-4B35-9A45-23829166F101}" destId="{7199E636-3A55-440E-A5FD-F7D9BC437CDE}" srcOrd="0" destOrd="0" presId="urn:microsoft.com/office/officeart/2005/8/layout/process3"/>
     <dgm:cxn modelId="{0F609E90-3839-483A-82EB-C431532BE898}" srcId="{BB45E5C0-8E1A-4AF7-AECB-49EDF741BAB8}" destId="{CA1B342D-39AA-41E0-AD3D-1B17F288E780}" srcOrd="0" destOrd="0" parTransId="{E9482C38-A94F-48CA-A565-E4CB3BAE34EE}" sibTransId="{DF727156-C29C-4664-92ED-B0EE9980ADFA}"/>
@@ -2099,21 +2169,22 @@
     <dgm:cxn modelId="{7F0BCC39-E8D0-45DE-8DB8-947282C912FD}" type="presOf" srcId="{CA1B342D-39AA-41E0-AD3D-1B17F288E780}" destId="{EC762C95-E171-49CB-AAD4-76BC14E53260}" srcOrd="1" destOrd="0" presId="urn:microsoft.com/office/officeart/2005/8/layout/process3"/>
     <dgm:cxn modelId="{A5AB5F96-5B6F-44A7-84BF-9A57614415FC}" type="presOf" srcId="{989B89E7-4C20-4B35-9A45-23829166F101}" destId="{AC8CAA81-CBD4-4564-AAD4-A97FF7B53AC9}" srcOrd="1" destOrd="0" presId="urn:microsoft.com/office/officeart/2005/8/layout/process3"/>
     <dgm:cxn modelId="{C48DD496-47F6-4BB1-9D09-78C7CAFE3EA9}" srcId="{CA1B342D-39AA-41E0-AD3D-1B17F288E780}" destId="{C79F49F7-7A07-4BE5-B714-8D0EB38CA390}" srcOrd="3" destOrd="0" parTransId="{F9A7E902-D817-466C-AA9B-B5F134F4AF2A}" sibTransId="{7FC3F55F-5ED7-4726-9569-0121251308C8}"/>
+    <dgm:cxn modelId="{E304D7B4-BDCF-484F-9D64-913A186E924F}" srcId="{989B89E7-4C20-4B35-9A45-23829166F101}" destId="{C5716A3D-F799-416B-9E44-F935B9390DD5}" srcOrd="3" destOrd="0" parTransId="{155A95F4-E909-45C5-9B1F-078690918165}" sibTransId="{76983B5E-954B-4C31-B01E-3B17BF43F7F6}"/>
     <dgm:cxn modelId="{231C8ACB-BC9D-41A9-9B12-8AB7074B0BD6}" type="presOf" srcId="{BB45E5C0-8E1A-4AF7-AECB-49EDF741BAB8}" destId="{693D3DDE-3950-4939-96FB-91FBC0C1029C}" srcOrd="0" destOrd="0" presId="urn:microsoft.com/office/officeart/2005/8/layout/process3"/>
     <dgm:cxn modelId="{D5553AFA-9852-4E73-8A23-14632DBD1C21}" type="presOf" srcId="{CA1B342D-39AA-41E0-AD3D-1B17F288E780}" destId="{F34F8D81-A194-40CB-B510-CE1174FA1224}" srcOrd="0" destOrd="0" presId="urn:microsoft.com/office/officeart/2005/8/layout/process3"/>
     <dgm:cxn modelId="{A1FC8F9A-7454-44C3-8C3A-38D1F985339B}" srcId="{CA1B342D-39AA-41E0-AD3D-1B17F288E780}" destId="{F9C41CFB-6014-46DB-B77E-A8B821D87A61}" srcOrd="0" destOrd="0" parTransId="{8F93B06D-5CAE-468E-9D4F-29F3807E8375}" sibTransId="{21F2012E-B761-43B3-94BF-19E1C925D993}"/>
     <dgm:cxn modelId="{4E0B5D0B-5CA7-49C3-A027-1A6F80E0B81F}" srcId="{BB45E5C0-8E1A-4AF7-AECB-49EDF741BAB8}" destId="{989B89E7-4C20-4B35-9A45-23829166F101}" srcOrd="1" destOrd="0" parTransId="{8514F357-7BF4-470D-9D23-A4E28B9A792B}" sibTransId="{7A1A0DDD-D7E7-4F2B-A9BE-50C601F5E8B1}"/>
-    <dgm:cxn modelId="{1E8BD250-A57C-4FC0-95E7-6D2F197667ED}" type="presOf" srcId="{04142C87-4ACB-4D85-94BA-0E46F0BA3A0B}" destId="{AB972662-6B60-4671-AB70-0A8CA502C5FC}" srcOrd="0" destOrd="2" presId="urn:microsoft.com/office/officeart/2005/8/layout/process3"/>
+    <dgm:cxn modelId="{2F5496E8-5348-4183-A30C-651467C1C7C8}" type="presOf" srcId="{0F818D36-FCCA-4DC5-AA6C-B2DADC67EEB4}" destId="{AB972662-6B60-4671-AB70-0A8CA502C5FC}" srcOrd="0" destOrd="2" presId="urn:microsoft.com/office/officeart/2005/8/layout/process3"/>
     <dgm:cxn modelId="{480E7354-5325-4FD8-9E33-CD3ABC70E674}" srcId="{989B89E7-4C20-4B35-9A45-23829166F101}" destId="{A62DF972-B1C0-430F-A221-160340C4D903}" srcOrd="0" destOrd="0" parTransId="{6705E72D-4301-4576-B177-E53DAE7C23D0}" sibTransId="{61ED29F4-2CF6-45E4-8687-4CB3512C400C}"/>
-    <dgm:cxn modelId="{46C14902-FC32-4B88-ADC5-E5F80F74D545}" srcId="{989B89E7-4C20-4B35-9A45-23829166F101}" destId="{04142C87-4ACB-4D85-94BA-0E46F0BA3A0B}" srcOrd="2" destOrd="0" parTransId="{752FD499-19CB-460E-B902-E69FAD5602D9}" sibTransId="{6E781A7E-58FE-4B37-B1D1-873B19229AA1}"/>
+    <dgm:cxn modelId="{053A7ACB-2E39-405F-B090-757AD48AE176}" srcId="{989B89E7-4C20-4B35-9A45-23829166F101}" destId="{88DCB6DD-65EA-4D2C-B057-1EE122DB965B}" srcOrd="1" destOrd="0" parTransId="{50045229-C663-4CF5-A827-69438766CFF9}" sibTransId="{C46A6EB2-3ECE-4E30-B1E8-A692B43542DA}"/>
     <dgm:cxn modelId="{19270CB5-FE14-4445-98F3-DD87CAF8DEF4}" type="presOf" srcId="{C79F49F7-7A07-4BE5-B714-8D0EB38CA390}" destId="{20EF4D02-B786-4ED8-A7DB-6412BC03F26D}" srcOrd="0" destOrd="3" presId="urn:microsoft.com/office/officeart/2005/8/layout/process3"/>
     <dgm:cxn modelId="{A7282778-C176-4B83-AB4C-266B60478FD2}" type="presOf" srcId="{8F7F7E2A-F410-42C7-8B45-1307FCDA956A}" destId="{20EF4D02-B786-4ED8-A7DB-6412BC03F26D}" srcOrd="0" destOrd="2" presId="urn:microsoft.com/office/officeart/2005/8/layout/process3"/>
     <dgm:cxn modelId="{DAE0813B-3116-4981-B0DC-B8031892964D}" type="presOf" srcId="{F9C41CFB-6014-46DB-B77E-A8B821D87A61}" destId="{20EF4D02-B786-4ED8-A7DB-6412BC03F26D}" srcOrd="0" destOrd="0" presId="urn:microsoft.com/office/officeart/2005/8/layout/process3"/>
     <dgm:cxn modelId="{5C39334F-6C81-4B0C-9AD2-50A8F1C2B6F0}" type="presOf" srcId="{031615EA-FA11-4107-8245-27C82B969141}" destId="{20EF4D02-B786-4ED8-A7DB-6412BC03F26D}" srcOrd="0" destOrd="1" presId="urn:microsoft.com/office/officeart/2005/8/layout/process3"/>
     <dgm:cxn modelId="{BB5F2DF6-61B3-4263-8F1A-9FA6F5CDB07D}" type="presOf" srcId="{A62DF972-B1C0-430F-A221-160340C4D903}" destId="{AB972662-6B60-4671-AB70-0A8CA502C5FC}" srcOrd="0" destOrd="0" presId="urn:microsoft.com/office/officeart/2005/8/layout/process3"/>
     <dgm:cxn modelId="{64BF58F2-2885-490E-8E93-F796CED63BAA}" type="presOf" srcId="{DF727156-C29C-4664-92ED-B0EE9980ADFA}" destId="{2B964E1B-0CBF-4EA9-AE5E-D5BDC503EFD8}" srcOrd="0" destOrd="0" presId="urn:microsoft.com/office/officeart/2005/8/layout/process3"/>
-    <dgm:cxn modelId="{64B658C6-46A3-4656-947E-64EB26196822}" type="presOf" srcId="{83DEBF6B-92CA-411F-83FF-2AD400D0210A}" destId="{AB972662-6B60-4671-AB70-0A8CA502C5FC}" srcOrd="0" destOrd="1" presId="urn:microsoft.com/office/officeart/2005/8/layout/process3"/>
-    <dgm:cxn modelId="{8025E629-8357-4CB4-9A3D-26DD24EA1BCC}" srcId="{989B89E7-4C20-4B35-9A45-23829166F101}" destId="{83DEBF6B-92CA-411F-83FF-2AD400D0210A}" srcOrd="1" destOrd="0" parTransId="{5F74C24E-B2F6-4659-BDCC-ADE3EDB42EA5}" sibTransId="{96A58B82-86D1-4F64-80AE-23923E4246EC}"/>
+    <dgm:cxn modelId="{9AC09C24-B7CE-4A9B-A6BC-DA73D76BF462}" type="presOf" srcId="{88DCB6DD-65EA-4D2C-B057-1EE122DB965B}" destId="{AB972662-6B60-4671-AB70-0A8CA502C5FC}" srcOrd="0" destOrd="1" presId="urn:microsoft.com/office/officeart/2005/8/layout/process3"/>
+    <dgm:cxn modelId="{826EA20E-1B18-4B61-8F12-577C80F181AC}" type="presOf" srcId="{C5716A3D-F799-416B-9E44-F935B9390DD5}" destId="{AB972662-6B60-4671-AB70-0A8CA502C5FC}" srcOrd="0" destOrd="3" presId="urn:microsoft.com/office/officeart/2005/8/layout/process3"/>
     <dgm:cxn modelId="{B82157B3-6C8B-4CD5-BF49-2782F216D90F}" type="presOf" srcId="{DF727156-C29C-4664-92ED-B0EE9980ADFA}" destId="{8140C2FF-2412-403B-A208-C12CCFA9CE32}" srcOrd="1" destOrd="0" presId="urn:microsoft.com/office/officeart/2005/8/layout/process3"/>
     <dgm:cxn modelId="{2678F7F8-D8E0-413B-88B8-F69B8D4F7CA7}" type="presParOf" srcId="{693D3DDE-3950-4939-96FB-91FBC0C1029C}" destId="{6BF2ADD8-F044-4A89-812D-1FF0AE16C854}" srcOrd="0" destOrd="0" presId="urn:microsoft.com/office/officeart/2005/8/layout/process3"/>
     <dgm:cxn modelId="{B4E90B3F-BAEC-45D9-A574-55765997FD7B}" type="presParOf" srcId="{6BF2ADD8-F044-4A89-812D-1FF0AE16C854}" destId="{F34F8D81-A194-40CB-B510-CE1174FA1224}" srcOrd="0" destOrd="0" presId="urn:microsoft.com/office/officeart/2005/8/layout/process3"/>
@@ -2154,10 +2225,7 @@
       <dgm:prSet phldrT="[Text]" custT="1"/>
       <dgm:spPr>
         <a:solidFill>
-          <a:schemeClr val="accent4">
-            <a:lumMod val="60000"/>
-            <a:lumOff val="40000"/>
-          </a:schemeClr>
+          <a:schemeClr val="accent4"/>
         </a:solidFill>
       </dgm:spPr>
       <dgm:t>
@@ -2199,10 +2267,7 @@
       <dgm:spPr>
         <a:ln>
           <a:solidFill>
-            <a:schemeClr val="accent4">
-              <a:lumMod val="60000"/>
-              <a:lumOff val="40000"/>
-            </a:schemeClr>
+            <a:schemeClr val="accent4"/>
           </a:solidFill>
         </a:ln>
       </dgm:spPr>
@@ -2277,6 +2342,92 @@
         </a:p>
       </dgm:t>
     </dgm:pt>
+    <dgm:pt modelId="{031615EA-FA11-4107-8245-27C82B969141}">
+      <dgm:prSet phldrT="[Text]"/>
+      <dgm:spPr>
+        <a:ln>
+          <a:solidFill>
+            <a:schemeClr val="accent4"/>
+          </a:solidFill>
+        </a:ln>
+      </dgm:spPr>
+      <dgm:t>
+        <a:bodyPr/>
+        <a:lstStyle/>
+        <a:p>
+          <a:r>
+            <a:rPr lang="en-US" dirty="0" smtClean="0"/>
+            <a:t>Statistical inference</a:t>
+          </a:r>
+          <a:endParaRPr lang="en-US" dirty="0"/>
+        </a:p>
+      </dgm:t>
+    </dgm:pt>
+    <dgm:pt modelId="{1A2EAF4A-ACB9-408B-BB4F-FB0B590C50A4}" type="parTrans" cxnId="{53630368-9E9B-492B-9FAF-A79F85678D97}">
+      <dgm:prSet/>
+      <dgm:spPr/>
+      <dgm:t>
+        <a:bodyPr/>
+        <a:lstStyle/>
+        <a:p>
+          <a:endParaRPr lang="en-US"/>
+        </a:p>
+      </dgm:t>
+    </dgm:pt>
+    <dgm:pt modelId="{1818ADAF-D8F6-4EE7-BE09-6A80370DD8CE}" type="sibTrans" cxnId="{53630368-9E9B-492B-9FAF-A79F85678D97}">
+      <dgm:prSet/>
+      <dgm:spPr/>
+      <dgm:t>
+        <a:bodyPr/>
+        <a:lstStyle/>
+        <a:p>
+          <a:endParaRPr lang="en-US"/>
+        </a:p>
+      </dgm:t>
+    </dgm:pt>
+    <dgm:pt modelId="{C79F49F7-7A07-4BE5-B714-8D0EB38CA390}">
+      <dgm:prSet phldrT="[Text]"/>
+      <dgm:spPr>
+        <a:ln>
+          <a:solidFill>
+            <a:schemeClr val="accent4"/>
+          </a:solidFill>
+        </a:ln>
+      </dgm:spPr>
+      <dgm:t>
+        <a:bodyPr/>
+        <a:lstStyle/>
+        <a:p>
+          <a:r>
+            <a:rPr lang="en-US" dirty="0" smtClean="0"/>
+            <a:t>Multi-collinearity</a:t>
+          </a:r>
+          <a:endParaRPr lang="en-US" dirty="0"/>
+        </a:p>
+      </dgm:t>
+    </dgm:pt>
+    <dgm:pt modelId="{F9A7E902-D817-466C-AA9B-B5F134F4AF2A}" type="parTrans" cxnId="{C48DD496-47F6-4BB1-9D09-78C7CAFE3EA9}">
+      <dgm:prSet/>
+      <dgm:spPr/>
+      <dgm:t>
+        <a:bodyPr/>
+        <a:lstStyle/>
+        <a:p>
+          <a:endParaRPr lang="en-US"/>
+        </a:p>
+      </dgm:t>
+    </dgm:pt>
+    <dgm:pt modelId="{7FC3F55F-5ED7-4726-9569-0121251308C8}" type="sibTrans" cxnId="{C48DD496-47F6-4BB1-9D09-78C7CAFE3EA9}">
+      <dgm:prSet/>
+      <dgm:spPr/>
+      <dgm:t>
+        <a:bodyPr/>
+        <a:lstStyle/>
+        <a:p>
+          <a:endParaRPr lang="en-US"/>
+        </a:p>
+      </dgm:t>
+    </dgm:pt>
     <dgm:pt modelId="{1931B42D-D4A8-4DD8-B9F8-A13ED12450B1}">
       <dgm:prSet phldrT="[Text]"/>
       <dgm:spPr/>
@@ -2286,7 +2437,15 @@
         <a:p>
           <a:r>
             <a:rPr lang="en-US" dirty="0" smtClean="0"/>
-            <a:t>Dichotomous variables</a:t>
+            <a:t>Two-sample </a:t>
+          </a:r>
+          <a:r>
+            <a:rPr lang="en-US" i="1" dirty="0" smtClean="0"/>
+            <a:t>t</a:t>
+          </a:r>
+          <a:r>
+            <a:rPr lang="en-US" dirty="0" smtClean="0"/>
+            <a:t>-tests</a:t>
           </a:r>
           <a:endParaRPr lang="en-US" dirty="0"/>
         </a:p>
@@ -2610,107 +2769,33 @@
         </a:p>
       </dgm:t>
     </dgm:pt>
-    <dgm:pt modelId="{C49FA698-900E-403E-A511-59C4C456D1CE}">
+    <dgm:pt modelId="{2C1DB68D-1CD3-457E-A1F3-0305DE7A07A5}">
+      <dgm:prSet phldrT="[Text]"/>
+      <dgm:spPr/>
+      <dgm:t>
+        <a:bodyPr/>
+        <a:lstStyle/>
+        <a:p>
+          <a:r>
+            <a:rPr lang="en-US" dirty="0" smtClean="0"/>
+            <a:t>Regression with dummy variables</a:t>
+          </a:r>
+          <a:endParaRPr lang="en-US" dirty="0"/>
+        </a:p>
+      </dgm:t>
+    </dgm:pt>
+    <dgm:pt modelId="{52CC5809-06B0-47D7-89F9-A8C9AF719675}" type="parTrans" cxnId="{E3D981AA-5607-49E5-8E6F-66F614EDC8F5}">
       <dgm:prSet/>
       <dgm:spPr/>
       <dgm:t>
         <a:bodyPr/>
         <a:lstStyle/>
         <a:p>
-          <a:r>
-            <a:rPr lang="en-US" smtClean="0"/>
-            <a:t>Statistical inference</a:t>
-          </a:r>
-          <a:endParaRPr lang="en-US" dirty="0"/>
+          <a:endParaRPr lang="en-US"/>
         </a:p>
       </dgm:t>
     </dgm:pt>
-    <dgm:pt modelId="{023FC2CA-1A14-47E2-BA52-10D6E3636AF4}" type="parTrans" cxnId="{4F4B4744-4A74-4593-ACDB-6A6F54869FCD}">
-      <dgm:prSet/>
-      <dgm:spPr/>
-      <dgm:t>
-        <a:bodyPr/>
-        <a:lstStyle/>
-        <a:p>
-          <a:endParaRPr lang="en-US"/>
-        </a:p>
-      </dgm:t>
-    </dgm:pt>
-    <dgm:pt modelId="{A6F78D50-F180-4840-943C-DEBC0D0EA240}" type="sibTrans" cxnId="{4F4B4744-4A74-4593-ACDB-6A6F54869FCD}">
-      <dgm:prSet/>
-      <dgm:spPr/>
-      <dgm:t>
-        <a:bodyPr/>
-        <a:lstStyle/>
-        <a:p>
-          <a:endParaRPr lang="en-US"/>
-        </a:p>
-      </dgm:t>
-    </dgm:pt>
-    <dgm:pt modelId="{CE41AB67-B42B-4FEF-8E5B-89C4F87803DC}">
-      <dgm:prSet/>
-      <dgm:spPr/>
-      <dgm:t>
-        <a:bodyPr/>
-        <a:lstStyle/>
-        <a:p>
-          <a:r>
-            <a:rPr lang="en-US" smtClean="0"/>
-            <a:t>Variance decomposition</a:t>
-          </a:r>
-          <a:endParaRPr lang="en-US" dirty="0"/>
-        </a:p>
-      </dgm:t>
-    </dgm:pt>
-    <dgm:pt modelId="{0FF35232-DC9A-42A5-9439-A82B9F45F67F}" type="parTrans" cxnId="{10B4CE98-2573-479B-A9AA-87E770B8AE18}">
-      <dgm:prSet/>
-      <dgm:spPr/>
-      <dgm:t>
-        <a:bodyPr/>
-        <a:lstStyle/>
-        <a:p>
-          <a:endParaRPr lang="en-US"/>
-        </a:p>
-      </dgm:t>
-    </dgm:pt>
-    <dgm:pt modelId="{0C8BF583-4342-4F92-B629-3769DDCE3C47}" type="sibTrans" cxnId="{10B4CE98-2573-479B-A9AA-87E770B8AE18}">
-      <dgm:prSet/>
-      <dgm:spPr/>
-      <dgm:t>
-        <a:bodyPr/>
-        <a:lstStyle/>
-        <a:p>
-          <a:endParaRPr lang="en-US"/>
-        </a:p>
-      </dgm:t>
-    </dgm:pt>
-    <dgm:pt modelId="{63161395-4EC2-46CD-9B34-05A964840D36}">
-      <dgm:prSet/>
-      <dgm:spPr/>
-      <dgm:t>
-        <a:bodyPr/>
-        <a:lstStyle/>
-        <a:p>
-          <a:r>
-            <a:rPr lang="en-US" dirty="0" smtClean="0"/>
-            <a:t>Multi-collinearity</a:t>
-          </a:r>
-          <a:endParaRPr lang="en-US" dirty="0"/>
-        </a:p>
-      </dgm:t>
-    </dgm:pt>
-    <dgm:pt modelId="{18171E79-872E-483D-AA30-BC2F8875965C}" type="parTrans" cxnId="{55B30F41-9A43-44AE-9A4F-93A87F51AFF6}">
-      <dgm:prSet/>
-      <dgm:spPr/>
-      <dgm:t>
-        <a:bodyPr/>
-        <a:lstStyle/>
-        <a:p>
-          <a:endParaRPr lang="en-US"/>
-        </a:p>
-      </dgm:t>
-    </dgm:pt>
-    <dgm:pt modelId="{EC60CFFE-4F5A-4369-8876-30AFA0CF5003}" type="sibTrans" cxnId="{55B30F41-9A43-44AE-9A4F-93A87F51AFF6}">
+    <dgm:pt modelId="{DD2D5405-CBD2-44A5-9510-4E17BFFE44DB}" type="sibTrans" cxnId="{E3D981AA-5607-49E5-8E6F-66F614EDC8F5}">
       <dgm:prSet/>
       <dgm:spPr/>
       <dgm:t>
@@ -2925,24 +3010,24 @@
     </dgm:pt>
   </dgm:ptLst>
   <dgm:cxnLst>
-    <dgm:cxn modelId="{6F23BA0E-DB51-40B6-AC70-D7335B52CC08}" type="presOf" srcId="{36889FEF-DA84-4E2E-8231-6A598D9B9AA2}" destId="{AB972662-6B60-4671-AB70-0A8CA502C5FC}" srcOrd="0" destOrd="2" presId="urn:microsoft.com/office/officeart/2005/8/layout/process3"/>
-    <dgm:cxn modelId="{55B30F41-9A43-44AE-9A4F-93A87F51AFF6}" srcId="{CA1B342D-39AA-41E0-AD3D-1B17F288E780}" destId="{63161395-4EC2-46CD-9B34-05A964840D36}" srcOrd="3" destOrd="0" parTransId="{18171E79-872E-483D-AA30-BC2F8875965C}" sibTransId="{EC60CFFE-4F5A-4369-8876-30AFA0CF5003}"/>
+    <dgm:cxn modelId="{6F23BA0E-DB51-40B6-AC70-D7335B52CC08}" type="presOf" srcId="{36889FEF-DA84-4E2E-8231-6A598D9B9AA2}" destId="{AB972662-6B60-4671-AB70-0A8CA502C5FC}" srcOrd="0" destOrd="3" presId="urn:microsoft.com/office/officeart/2005/8/layout/process3"/>
     <dgm:cxn modelId="{7132BC34-D2CF-4ABE-A64E-7D87E9BA6191}" srcId="{E4A67761-7AAD-474E-9FA5-542EDFE86231}" destId="{16689244-5CA6-498F-8294-69696BD8C57D}" srcOrd="3" destOrd="0" parTransId="{6E60D6D7-75D5-4A22-B8DD-A535AF6863A6}" sibTransId="{D4BBD08E-C430-4A5D-B8D8-F5ED76D4B111}"/>
     <dgm:cxn modelId="{0F609E90-3839-483A-82EB-C431532BE898}" srcId="{BB45E5C0-8E1A-4AF7-AECB-49EDF741BAB8}" destId="{CA1B342D-39AA-41E0-AD3D-1B17F288E780}" srcOrd="0" destOrd="0" parTransId="{E9482C38-A94F-48CA-A565-E4CB3BAE34EE}" sibTransId="{DF727156-C29C-4664-92ED-B0EE9980ADFA}"/>
     <dgm:cxn modelId="{6CAB9827-B505-4980-A47E-31E2D2F5665D}" type="presOf" srcId="{16689244-5CA6-498F-8294-69696BD8C57D}" destId="{37A6D49E-44BC-48C2-AFD6-0270251A8634}" srcOrd="0" destOrd="3" presId="urn:microsoft.com/office/officeart/2005/8/layout/process3"/>
-    <dgm:cxn modelId="{F04CC524-F74A-4D0C-BC77-1A9B2547989A}" srcId="{989B89E7-4C20-4B35-9A45-23829166F101}" destId="{8D14978D-DBB9-4E92-8AFD-363EC4082539}" srcOrd="3" destOrd="0" parTransId="{511BAE3A-E333-442A-BD6E-27EFE61D7C01}" sibTransId="{DF0E109E-CE68-4595-99C1-0593A066EA81}"/>
-    <dgm:cxn modelId="{A5F53775-3920-4DD6-8F1E-AE3BF5D9CAE7}" type="presOf" srcId="{C49FA698-900E-403E-A511-59C4C456D1CE}" destId="{20EF4D02-B786-4ED8-A7DB-6412BC03F26D}" srcOrd="0" destOrd="1" presId="urn:microsoft.com/office/officeart/2005/8/layout/process3"/>
-    <dgm:cxn modelId="{826EA20E-1B18-4B61-8F12-577C80F181AC}" type="presOf" srcId="{C5716A3D-F799-416B-9E44-F935B9390DD5}" destId="{AB972662-6B60-4671-AB70-0A8CA502C5FC}" srcOrd="0" destOrd="1" presId="urn:microsoft.com/office/officeart/2005/8/layout/process3"/>
+    <dgm:cxn modelId="{F04CC524-F74A-4D0C-BC77-1A9B2547989A}" srcId="{989B89E7-4C20-4B35-9A45-23829166F101}" destId="{8D14978D-DBB9-4E92-8AFD-363EC4082539}" srcOrd="4" destOrd="0" parTransId="{511BAE3A-E333-442A-BD6E-27EFE61D7C01}" sibTransId="{DF0E109E-CE68-4595-99C1-0593A066EA81}"/>
+    <dgm:cxn modelId="{81BB5FA1-361A-43BD-BB1E-24C96C1958C0}" type="presOf" srcId="{2C1DB68D-1CD3-457E-A1F3-0305DE7A07A5}" destId="{AB972662-6B60-4671-AB70-0A8CA502C5FC}" srcOrd="0" destOrd="1" presId="urn:microsoft.com/office/officeart/2005/8/layout/process3"/>
+    <dgm:cxn modelId="{E3D981AA-5607-49E5-8E6F-66F614EDC8F5}" srcId="{989B89E7-4C20-4B35-9A45-23829166F101}" destId="{2C1DB68D-1CD3-457E-A1F3-0305DE7A07A5}" srcOrd="1" destOrd="0" parTransId="{52CC5809-06B0-47D7-89F9-A8C9AF719675}" sibTransId="{DD2D5405-CBD2-44A5-9510-4E17BFFE44DB}"/>
+    <dgm:cxn modelId="{826EA20E-1B18-4B61-8F12-577C80F181AC}" type="presOf" srcId="{C5716A3D-F799-416B-9E44-F935B9390DD5}" destId="{AB972662-6B60-4671-AB70-0A8CA502C5FC}" srcOrd="0" destOrd="2" presId="urn:microsoft.com/office/officeart/2005/8/layout/process3"/>
     <dgm:cxn modelId="{435A6AAC-CC53-4B7A-AC7F-9A3F4CF88D44}" type="presOf" srcId="{E4A67761-7AAD-474E-9FA5-542EDFE86231}" destId="{C7F2155F-9596-43DE-B9FB-433C411F1C8C}" srcOrd="0" destOrd="0" presId="urn:microsoft.com/office/officeart/2005/8/layout/process3"/>
     <dgm:cxn modelId="{DBA1F316-7412-4277-824F-982CA91227E8}" type="presOf" srcId="{7A1A0DDD-D7E7-4F2B-A9BE-50C601F5E8B1}" destId="{F2B7D291-F96C-48F8-9E41-006A80918726}" srcOrd="0" destOrd="0" presId="urn:microsoft.com/office/officeart/2005/8/layout/process3"/>
-    <dgm:cxn modelId="{B4EB8BD7-D990-43CE-AE18-EDE8509F5513}" srcId="{989B89E7-4C20-4B35-9A45-23829166F101}" destId="{36889FEF-DA84-4E2E-8231-6A598D9B9AA2}" srcOrd="2" destOrd="0" parTransId="{7FD594C4-07D5-466A-A6B8-7F69E8567E44}" sibTransId="{DFD86833-CD0B-4623-90D4-FE5E887C8CE3}"/>
+    <dgm:cxn modelId="{B4EB8BD7-D990-43CE-AE18-EDE8509F5513}" srcId="{989B89E7-4C20-4B35-9A45-23829166F101}" destId="{36889FEF-DA84-4E2E-8231-6A598D9B9AA2}" srcOrd="3" destOrd="0" parTransId="{7FD594C4-07D5-466A-A6B8-7F69E8567E44}" sibTransId="{DFD86833-CD0B-4623-90D4-FE5E887C8CE3}"/>
     <dgm:cxn modelId="{E4B74C54-8F44-4697-8D95-84708D36DFC8}" type="presOf" srcId="{8CAA68B0-8D69-4CDE-A387-8A615A47687D}" destId="{37A6D49E-44BC-48C2-AFD6-0270251A8634}" srcOrd="0" destOrd="1" presId="urn:microsoft.com/office/officeart/2005/8/layout/process3"/>
     <dgm:cxn modelId="{231C8ACB-BC9D-41A9-9B12-8AB7074B0BD6}" type="presOf" srcId="{BB45E5C0-8E1A-4AF7-AECB-49EDF741BAB8}" destId="{693D3DDE-3950-4939-96FB-91FBC0C1029C}" srcOrd="0" destOrd="0" presId="urn:microsoft.com/office/officeart/2005/8/layout/process3"/>
     <dgm:cxn modelId="{D5553AFA-9852-4E73-8A23-14632DBD1C21}" type="presOf" srcId="{CA1B342D-39AA-41E0-AD3D-1B17F288E780}" destId="{F34F8D81-A194-40CB-B510-CE1174FA1224}" srcOrd="0" destOrd="0" presId="urn:microsoft.com/office/officeart/2005/8/layout/process3"/>
+    <dgm:cxn modelId="{53630368-9E9B-492B-9FAF-A79F85678D97}" srcId="{CA1B342D-39AA-41E0-AD3D-1B17F288E780}" destId="{031615EA-FA11-4107-8245-27C82B969141}" srcOrd="1" destOrd="0" parTransId="{1A2EAF4A-ACB9-408B-BB4F-FB0B590C50A4}" sibTransId="{1818ADAF-D8F6-4EE7-BE09-6A80370DD8CE}"/>
     <dgm:cxn modelId="{B54D10F7-85C7-4E7A-9F2D-C947B89EAE17}" srcId="{989B89E7-4C20-4B35-9A45-23829166F101}" destId="{1931B42D-D4A8-4DD8-B9F8-A13ED12450B1}" srcOrd="0" destOrd="0" parTransId="{596E77FB-F786-4E77-A783-87E081325626}" sibTransId="{F5157164-D9ED-4CD4-913B-BD073641B52A}"/>
-    <dgm:cxn modelId="{E304D7B4-BDCF-484F-9D64-913A186E924F}" srcId="{989B89E7-4C20-4B35-9A45-23829166F101}" destId="{C5716A3D-F799-416B-9E44-F935B9390DD5}" srcOrd="1" destOrd="0" parTransId="{155A95F4-E909-45C5-9B1F-078690918165}" sibTransId="{76983B5E-954B-4C31-B01E-3B17BF43F7F6}"/>
+    <dgm:cxn modelId="{E304D7B4-BDCF-484F-9D64-913A186E924F}" srcId="{989B89E7-4C20-4B35-9A45-23829166F101}" destId="{C5716A3D-F799-416B-9E44-F935B9390DD5}" srcOrd="2" destOrd="0" parTransId="{155A95F4-E909-45C5-9B1F-078690918165}" sibTransId="{76983B5E-954B-4C31-B01E-3B17BF43F7F6}"/>
     <dgm:cxn modelId="{E8A25C5A-D0DE-44EE-B45B-5B6425798C7C}" srcId="{E4A67761-7AAD-474E-9FA5-542EDFE86231}" destId="{A6F1D72E-1EC7-4A2F-A7AC-9B4FE891FA60}" srcOrd="2" destOrd="0" parTransId="{F46A70B3-F452-4DBE-82DF-B97F3B6C9DF0}" sibTransId="{81FB235B-AB81-40FD-B097-5F0C004D220B}"/>
-    <dgm:cxn modelId="{FB112D19-3208-4324-99B4-9D1A26A2B364}" type="presOf" srcId="{63161395-4EC2-46CD-9B34-05A964840D36}" destId="{20EF4D02-B786-4ED8-A7DB-6412BC03F26D}" srcOrd="0" destOrd="3" presId="urn:microsoft.com/office/officeart/2005/8/layout/process3"/>
     <dgm:cxn modelId="{AAD96A52-5CFB-499D-89E2-6EBBA12119E7}" srcId="{E4A67761-7AAD-474E-9FA5-542EDFE86231}" destId="{8CAA68B0-8D69-4CDE-A387-8A615A47687D}" srcOrd="1" destOrd="0" parTransId="{DC2B7493-4C5E-4A8A-AD57-02FBFF060D53}" sibTransId="{AC5079F0-9103-4DAC-A9AA-B0AFF5EDE675}"/>
     <dgm:cxn modelId="{F3DC8FD5-AFDE-4603-A0C0-06DB5E050F70}" type="presOf" srcId="{E4A67761-7AAD-474E-9FA5-542EDFE86231}" destId="{A81430CF-36AA-475C-BD35-A3F5D9A08FA4}" srcOrd="1" destOrd="0" presId="urn:microsoft.com/office/officeart/2005/8/layout/process3"/>
     <dgm:cxn modelId="{C7332C92-F558-4134-93E8-B314CFA707DC}" type="presOf" srcId="{989B89E7-4C20-4B35-9A45-23829166F101}" destId="{7199E636-3A55-440E-A5FD-F7D9BC437CDE}" srcOrd="0" destOrd="0" presId="urn:microsoft.com/office/officeart/2005/8/layout/process3"/>
@@ -2950,16 +3035,16 @@
     <dgm:cxn modelId="{F450371F-5C7A-4D57-A911-65DE105968A0}" type="presOf" srcId="{7A38BD5E-3DE3-4A82-9233-27F336477B8C}" destId="{37A6D49E-44BC-48C2-AFD6-0270251A8634}" srcOrd="0" destOrd="0" presId="urn:microsoft.com/office/officeart/2005/8/layout/process3"/>
     <dgm:cxn modelId="{64BF58F2-2885-490E-8E93-F796CED63BAA}" type="presOf" srcId="{DF727156-C29C-4664-92ED-B0EE9980ADFA}" destId="{2B964E1B-0CBF-4EA9-AE5E-D5BDC503EFD8}" srcOrd="0" destOrd="0" presId="urn:microsoft.com/office/officeart/2005/8/layout/process3"/>
     <dgm:cxn modelId="{AA191657-FDB1-4884-A107-01BAEAFB64D4}" type="presOf" srcId="{A6F1D72E-1EC7-4A2F-A7AC-9B4FE891FA60}" destId="{37A6D49E-44BC-48C2-AFD6-0270251A8634}" srcOrd="0" destOrd="2" presId="urn:microsoft.com/office/officeart/2005/8/layout/process3"/>
-    <dgm:cxn modelId="{1884725A-4138-4477-8D96-34314AD38989}" type="presOf" srcId="{CE41AB67-B42B-4FEF-8E5B-89C4F87803DC}" destId="{20EF4D02-B786-4ED8-A7DB-6412BC03F26D}" srcOrd="0" destOrd="2" presId="urn:microsoft.com/office/officeart/2005/8/layout/process3"/>
     <dgm:cxn modelId="{DAE0813B-3116-4981-B0DC-B8031892964D}" type="presOf" srcId="{F9C41CFB-6014-46DB-B77E-A8B821D87A61}" destId="{20EF4D02-B786-4ED8-A7DB-6412BC03F26D}" srcOrd="0" destOrd="0" presId="urn:microsoft.com/office/officeart/2005/8/layout/process3"/>
     <dgm:cxn modelId="{7F0BCC39-E8D0-45DE-8DB8-947282C912FD}" type="presOf" srcId="{CA1B342D-39AA-41E0-AD3D-1B17F288E780}" destId="{EC762C95-E171-49CB-AAD4-76BC14E53260}" srcOrd="1" destOrd="0" presId="urn:microsoft.com/office/officeart/2005/8/layout/process3"/>
-    <dgm:cxn modelId="{10B4CE98-2573-479B-A9AA-87E770B8AE18}" srcId="{CA1B342D-39AA-41E0-AD3D-1B17F288E780}" destId="{CE41AB67-B42B-4FEF-8E5B-89C4F87803DC}" srcOrd="2" destOrd="0" parTransId="{0FF35232-DC9A-42A5-9439-A82B9F45F67F}" sibTransId="{0C8BF583-4342-4F92-B629-3769DDCE3C47}"/>
+    <dgm:cxn modelId="{5C39334F-6C81-4B0C-9AD2-50A8F1C2B6F0}" type="presOf" srcId="{031615EA-FA11-4107-8245-27C82B969141}" destId="{20EF4D02-B786-4ED8-A7DB-6412BC03F26D}" srcOrd="0" destOrd="1" presId="urn:microsoft.com/office/officeart/2005/8/layout/process3"/>
+    <dgm:cxn modelId="{C48DD496-47F6-4BB1-9D09-78C7CAFE3EA9}" srcId="{CA1B342D-39AA-41E0-AD3D-1B17F288E780}" destId="{C79F49F7-7A07-4BE5-B714-8D0EB38CA390}" srcOrd="2" destOrd="0" parTransId="{F9A7E902-D817-466C-AA9B-B5F134F4AF2A}" sibTransId="{7FC3F55F-5ED7-4726-9569-0121251308C8}"/>
     <dgm:cxn modelId="{7CE5D1D8-5DC0-471E-A8C8-81FB385494BF}" srcId="{E4A67761-7AAD-474E-9FA5-542EDFE86231}" destId="{7A38BD5E-3DE3-4A82-9233-27F336477B8C}" srcOrd="0" destOrd="0" parTransId="{FD2837F2-2192-4C63-8C46-D80C616B55FB}" sibTransId="{7BB00B53-DF1A-44AC-A65A-78FFEF5AD7D9}"/>
     <dgm:cxn modelId="{65940BE5-E099-41A7-890F-028A6738CF15}" type="presOf" srcId="{7A1A0DDD-D7E7-4F2B-A9BE-50C601F5E8B1}" destId="{372837B6-F05E-43B6-A210-80F3508B269D}" srcOrd="1" destOrd="0" presId="urn:microsoft.com/office/officeart/2005/8/layout/process3"/>
     <dgm:cxn modelId="{A5AB5F96-5B6F-44A7-84BF-9A57614415FC}" type="presOf" srcId="{989B89E7-4C20-4B35-9A45-23829166F101}" destId="{AC8CAA81-CBD4-4564-AAD4-A97FF7B53AC9}" srcOrd="1" destOrd="0" presId="urn:microsoft.com/office/officeart/2005/8/layout/process3"/>
-    <dgm:cxn modelId="{4F4B4744-4A74-4593-ACDB-6A6F54869FCD}" srcId="{CA1B342D-39AA-41E0-AD3D-1B17F288E780}" destId="{C49FA698-900E-403E-A511-59C4C456D1CE}" srcOrd="1" destOrd="0" parTransId="{023FC2CA-1A14-47E2-BA52-10D6E3636AF4}" sibTransId="{A6F78D50-F180-4840-943C-DEBC0D0EA240}"/>
     <dgm:cxn modelId="{4E0B5D0B-5CA7-49C3-A027-1A6F80E0B81F}" srcId="{BB45E5C0-8E1A-4AF7-AECB-49EDF741BAB8}" destId="{989B89E7-4C20-4B35-9A45-23829166F101}" srcOrd="1" destOrd="0" parTransId="{8514F357-7BF4-470D-9D23-A4E28B9A792B}" sibTransId="{7A1A0DDD-D7E7-4F2B-A9BE-50C601F5E8B1}"/>
-    <dgm:cxn modelId="{925B0228-B063-4F43-9208-2821D85D2CBB}" type="presOf" srcId="{8D14978D-DBB9-4E92-8AFD-363EC4082539}" destId="{AB972662-6B60-4671-AB70-0A8CA502C5FC}" srcOrd="0" destOrd="3" presId="urn:microsoft.com/office/officeart/2005/8/layout/process3"/>
+    <dgm:cxn modelId="{925B0228-B063-4F43-9208-2821D85D2CBB}" type="presOf" srcId="{8D14978D-DBB9-4E92-8AFD-363EC4082539}" destId="{AB972662-6B60-4671-AB70-0A8CA502C5FC}" srcOrd="0" destOrd="4" presId="urn:microsoft.com/office/officeart/2005/8/layout/process3"/>
+    <dgm:cxn modelId="{19270CB5-FE14-4445-98F3-DD87CAF8DEF4}" type="presOf" srcId="{C79F49F7-7A07-4BE5-B714-8D0EB38CA390}" destId="{20EF4D02-B786-4ED8-A7DB-6412BC03F26D}" srcOrd="0" destOrd="2" presId="urn:microsoft.com/office/officeart/2005/8/layout/process3"/>
     <dgm:cxn modelId="{B82157B3-6C8B-4CD5-BF49-2782F216D90F}" type="presOf" srcId="{DF727156-C29C-4664-92ED-B0EE9980ADFA}" destId="{8140C2FF-2412-403B-A208-C12CCFA9CE32}" srcOrd="1" destOrd="0" presId="urn:microsoft.com/office/officeart/2005/8/layout/process3"/>
     <dgm:cxn modelId="{A1FC8F9A-7454-44C3-8C3A-38D1F985339B}" srcId="{CA1B342D-39AA-41E0-AD3D-1B17F288E780}" destId="{F9C41CFB-6014-46DB-B77E-A8B821D87A61}" srcOrd="0" destOrd="0" parTransId="{8F93B06D-5CAE-468E-9D4F-29F3807E8375}" sibTransId="{21F2012E-B761-43B3-94BF-19E1C925D993}"/>
     <dgm:cxn modelId="{28785A34-2DFC-4E53-A653-BAA23F70AE63}" type="presOf" srcId="{1931B42D-D4A8-4DD8-B9F8-A13ED12450B1}" destId="{AB972662-6B60-4671-AB70-0A8CA502C5FC}" srcOrd="0" destOrd="0" presId="urn:microsoft.com/office/officeart/2005/8/layout/process3"/>
@@ -3005,7 +3090,7 @@
       </dsp:nvSpPr>
       <dsp:spPr>
         <a:xfrm>
-          <a:off x="1942" y="145951"/>
+          <a:off x="1942" y="56851"/>
           <a:ext cx="1667131" cy="940044"/>
         </a:xfrm>
         <a:prstGeom prst="roundRect">
@@ -3074,7 +3159,7 @@
         </a:p>
       </dsp:txBody>
       <dsp:txXfrm>
-        <a:off x="1942" y="145951"/>
+        <a:off x="1942" y="56851"/>
         <a:ext cx="1667131" cy="626696"/>
       </dsp:txXfrm>
     </dsp:sp>
@@ -3085,8 +3170,8 @@
       </dsp:nvSpPr>
       <dsp:spPr>
         <a:xfrm>
-          <a:off x="343402" y="772648"/>
-          <a:ext cx="1667131" cy="1900800"/>
+          <a:off x="343402" y="683548"/>
+          <a:ext cx="1667131" cy="2079000"/>
         </a:xfrm>
         <a:prstGeom prst="roundRect">
           <a:avLst>
@@ -3205,14 +3290,18 @@
           </a:pPr>
           <a:r>
             <a:rPr lang="en-US" sz="1200" kern="1200" dirty="0" smtClean="0"/>
-            <a:t>Correlation and causality</a:t>
+            <a:t>Correlation…and </a:t>
+          </a:r>
+          <a:r>
+            <a:rPr lang="en-US" sz="1200" kern="1200" dirty="0" smtClean="0"/>
+            <a:t>causality</a:t>
           </a:r>
           <a:endParaRPr lang="en-US" sz="1200" kern="1200" dirty="0"/>
         </a:p>
       </dsp:txBody>
       <dsp:txXfrm>
-        <a:off x="392231" y="821477"/>
-        <a:ext cx="1569473" cy="1803142"/>
+        <a:off x="392231" y="732377"/>
+        <a:ext cx="1569473" cy="1981342"/>
       </dsp:txXfrm>
     </dsp:sp>
     <dsp:sp modelId="{2B964E1B-0CBF-4EA9-AE5E-D5BDC503EFD8}">
@@ -3222,7 +3311,7 @@
       </dsp:nvSpPr>
       <dsp:spPr>
         <a:xfrm>
-          <a:off x="1921804" y="251766"/>
+          <a:off x="1921804" y="162666"/>
           <a:ext cx="535790" cy="415067"/>
         </a:xfrm>
         <a:prstGeom prst="rightArrow">
@@ -3274,7 +3363,7 @@
         </a:p>
       </dsp:txBody>
       <dsp:txXfrm>
-        <a:off x="1921804" y="334779"/>
+        <a:off x="1921804" y="245679"/>
         <a:ext cx="411270" cy="249041"/>
       </dsp:txXfrm>
     </dsp:sp>
@@ -3285,7 +3374,7 @@
       </dsp:nvSpPr>
       <dsp:spPr>
         <a:xfrm>
-          <a:off x="2679998" y="145951"/>
+          <a:off x="2679998" y="56851"/>
           <a:ext cx="1667131" cy="940044"/>
         </a:xfrm>
         <a:prstGeom prst="roundRect">
@@ -3354,7 +3443,7 @@
         </a:p>
       </dsp:txBody>
       <dsp:txXfrm>
-        <a:off x="2679998" y="145951"/>
+        <a:off x="2679998" y="56851"/>
         <a:ext cx="1667131" cy="626696"/>
       </dsp:txXfrm>
     </dsp:sp>
@@ -3365,8 +3454,8 @@
       </dsp:nvSpPr>
       <dsp:spPr>
         <a:xfrm>
-          <a:off x="3021459" y="772648"/>
-          <a:ext cx="1667131" cy="1900800"/>
+          <a:off x="3021459" y="683548"/>
+          <a:ext cx="1667131" cy="2079000"/>
         </a:xfrm>
         <a:prstGeom prst="roundRect">
           <a:avLst>
@@ -3428,7 +3517,23 @@
           </a:pPr>
           <a:r>
             <a:rPr lang="en-US" sz="1200" kern="1200" dirty="0" smtClean="0"/>
-            <a:t>Normality, homoscedasticity, linearity and independence</a:t>
+            <a:t>Measurement error, normality</a:t>
+          </a:r>
+          <a:r>
+            <a:rPr lang="en-US" sz="1200" kern="1200" dirty="0" smtClean="0"/>
+            <a:t>, </a:t>
+          </a:r>
+          <a:r>
+            <a:rPr lang="en-US" sz="1200" kern="1200" dirty="0" smtClean="0"/>
+            <a:t>linearity, homoscedasticity</a:t>
+          </a:r>
+          <a:r>
+            <a:rPr lang="en-US" sz="1200" kern="1200" dirty="0" smtClean="0"/>
+            <a:t>, </a:t>
+          </a:r>
+          <a:r>
+            <a:rPr lang="en-US" sz="1200" kern="1200" dirty="0" smtClean="0"/>
+            <a:t>and independence</a:t>
           </a:r>
           <a:endParaRPr lang="en-US" sz="1200" kern="1200" dirty="0"/>
         </a:p>
@@ -3446,8 +3551,39 @@
             <a:buChar char="••"/>
           </a:pPr>
           <a:r>
-            <a:rPr lang="en-US" sz="1200" kern="1200" smtClean="0"/>
-            <a:t>Residuals: raw, studentized &amp; standardized</a:t>
+            <a:rPr lang="en-US" sz="1200" kern="1200" dirty="0" smtClean="0"/>
+            <a:t>Residuals</a:t>
+          </a:r>
+          <a:r>
+            <a:rPr lang="en-US" sz="1200" kern="1200" dirty="0" smtClean="0"/>
+            <a:t>: raw, </a:t>
+          </a:r>
+          <a:r>
+            <a:rPr lang="en-US" sz="1200" kern="1200" dirty="0" err="1" smtClean="0"/>
+            <a:t>studentized</a:t>
+          </a:r>
+          <a:r>
+            <a:rPr lang="en-US" sz="1200" kern="1200" dirty="0" smtClean="0"/>
+            <a:t> &amp; standardized</a:t>
+          </a:r>
+          <a:endParaRPr lang="en-US" sz="1200" kern="1200" dirty="0"/>
+        </a:p>
+        <a:p>
+          <a:pPr marL="114300" lvl="1" indent="-114300" algn="l" defTabSz="533400">
+            <a:lnSpc>
+              <a:spcPct val="90000"/>
+            </a:lnSpc>
+            <a:spcBef>
+              <a:spcPct val="0"/>
+            </a:spcBef>
+            <a:spcAft>
+              <a:spcPct val="15000"/>
+            </a:spcAft>
+            <a:buChar char="••"/>
+          </a:pPr>
+          <a:r>
+            <a:rPr lang="en-US" sz="1200" kern="1200" dirty="0" smtClean="0"/>
+            <a:t>Outliers</a:t>
           </a:r>
           <a:endParaRPr lang="en-US" sz="1200" kern="1200" dirty="0"/>
         </a:p>
@@ -3472,8 +3608,8 @@
         </a:p>
       </dsp:txBody>
       <dsp:txXfrm>
-        <a:off x="3070288" y="821477"/>
-        <a:ext cx="1569473" cy="1803142"/>
+        <a:off x="3070288" y="732377"/>
+        <a:ext cx="1569473" cy="1981342"/>
       </dsp:txXfrm>
     </dsp:sp>
   </dsp:spTree>
@@ -3495,7 +3631,7 @@
       </dsp:nvSpPr>
       <dsp:spPr>
         <a:xfrm>
-          <a:off x="3265" y="385130"/>
+          <a:off x="3265" y="367580"/>
           <a:ext cx="1484829" cy="880607"/>
         </a:xfrm>
         <a:prstGeom prst="roundRect">
@@ -3504,10 +3640,7 @@
           </a:avLst>
         </a:prstGeom>
         <a:solidFill>
-          <a:schemeClr val="accent4">
-            <a:lumMod val="60000"/>
-            <a:lumOff val="40000"/>
-          </a:schemeClr>
+          <a:schemeClr val="accent4"/>
         </a:solidFill>
         <a:ln w="12700" cap="flat" cmpd="sng" algn="ctr">
           <a:solidFill>
@@ -3562,7 +3695,7 @@
         </a:p>
       </dsp:txBody>
       <dsp:txXfrm>
-        <a:off x="3265" y="385130"/>
+        <a:off x="3265" y="367580"/>
         <a:ext cx="1484829" cy="587071"/>
       </dsp:txXfrm>
     </dsp:sp>
@@ -3573,8 +3706,8 @@
       </dsp:nvSpPr>
       <dsp:spPr>
         <a:xfrm>
-          <a:off x="307387" y="972202"/>
-          <a:ext cx="1484829" cy="2012400"/>
+          <a:off x="307387" y="954652"/>
+          <a:ext cx="1484829" cy="2047500"/>
         </a:xfrm>
         <a:prstGeom prst="roundRect">
           <a:avLst>
@@ -3592,10 +3725,7 @@
         </a:solidFill>
         <a:ln w="12700" cap="flat" cmpd="sng" algn="ctr">
           <a:solidFill>
-            <a:schemeClr val="accent4">
-              <a:lumMod val="60000"/>
-              <a:lumOff val="40000"/>
-            </a:schemeClr>
+            <a:schemeClr val="accent4"/>
           </a:solidFill>
           <a:prstDash val="solid"/>
           <a:miter lim="800000"/>
@@ -3652,27 +3782,8 @@
             <a:buChar char="••"/>
           </a:pPr>
           <a:r>
-            <a:rPr lang="en-US" sz="1300" kern="1200" smtClean="0"/>
+            <a:rPr lang="en-US" sz="1300" kern="1200" dirty="0" smtClean="0"/>
             <a:t>Statistical inference</a:t>
-          </a:r>
-          <a:endParaRPr lang="en-US" sz="1300" kern="1200" dirty="0"/>
-        </a:p>
-        <a:p>
-          <a:pPr marL="114300" lvl="1" indent="-114300" algn="l" defTabSz="577850">
-            <a:lnSpc>
-              <a:spcPct val="90000"/>
-            </a:lnSpc>
-            <a:spcBef>
-              <a:spcPct val="0"/>
-            </a:spcBef>
-            <a:spcAft>
-              <a:spcPct val="15000"/>
-            </a:spcAft>
-            <a:buChar char="••"/>
-          </a:pPr>
-          <a:r>
-            <a:rPr lang="en-US" sz="1300" kern="1200" smtClean="0"/>
-            <a:t>Variance decomposition</a:t>
           </a:r>
           <a:endParaRPr lang="en-US" sz="1300" kern="1200" dirty="0"/>
         </a:p>
@@ -3697,8 +3808,8 @@
         </a:p>
       </dsp:txBody>
       <dsp:txXfrm>
-        <a:off x="350876" y="1015691"/>
-        <a:ext cx="1397851" cy="1925422"/>
+        <a:off x="350876" y="998141"/>
+        <a:ext cx="1397851" cy="1960522"/>
       </dsp:txXfrm>
     </dsp:sp>
     <dsp:sp modelId="{2B964E1B-0CBF-4EA9-AE5E-D5BDC503EFD8}">
@@ -3708,7 +3819,7 @@
       </dsp:nvSpPr>
       <dsp:spPr>
         <a:xfrm>
-          <a:off x="1713189" y="493826"/>
+          <a:off x="1713189" y="476276"/>
           <a:ext cx="477200" cy="369679"/>
         </a:xfrm>
         <a:prstGeom prst="rightArrow">
@@ -3766,7 +3877,7 @@
         </a:p>
       </dsp:txBody>
       <dsp:txXfrm>
-        <a:off x="1713189" y="567762"/>
+        <a:off x="1713189" y="550212"/>
         <a:ext cx="366296" cy="221807"/>
       </dsp:txXfrm>
     </dsp:sp>
@@ -3777,7 +3888,7 @@
       </dsp:nvSpPr>
       <dsp:spPr>
         <a:xfrm>
-          <a:off x="2388474" y="385130"/>
+          <a:off x="2388474" y="367580"/>
           <a:ext cx="1484829" cy="880607"/>
         </a:xfrm>
         <a:prstGeom prst="roundRect">
@@ -3846,7 +3957,7 @@
         </a:p>
       </dsp:txBody>
       <dsp:txXfrm>
-        <a:off x="2388474" y="385130"/>
+        <a:off x="2388474" y="367580"/>
         <a:ext cx="1484829" cy="587071"/>
       </dsp:txXfrm>
     </dsp:sp>
@@ -3857,8 +3968,8 @@
       </dsp:nvSpPr>
       <dsp:spPr>
         <a:xfrm>
-          <a:off x="2692595" y="972202"/>
-          <a:ext cx="1484829" cy="2012400"/>
+          <a:off x="2692595" y="954652"/>
+          <a:ext cx="1484829" cy="2047500"/>
         </a:xfrm>
         <a:prstGeom prst="roundRect">
           <a:avLst>
@@ -3920,7 +4031,34 @@
           </a:pPr>
           <a:r>
             <a:rPr lang="en-US" sz="1300" kern="1200" dirty="0" smtClean="0"/>
-            <a:t>Dichotomous variables</a:t>
+            <a:t>Two-sample </a:t>
+          </a:r>
+          <a:r>
+            <a:rPr lang="en-US" sz="1300" i="1" kern="1200" dirty="0" smtClean="0"/>
+            <a:t>t</a:t>
+          </a:r>
+          <a:r>
+            <a:rPr lang="en-US" sz="1300" kern="1200" dirty="0" smtClean="0"/>
+            <a:t>-tests</a:t>
+          </a:r>
+          <a:endParaRPr lang="en-US" sz="1300" kern="1200" dirty="0"/>
+        </a:p>
+        <a:p>
+          <a:pPr marL="114300" lvl="1" indent="-114300" algn="l" defTabSz="577850">
+            <a:lnSpc>
+              <a:spcPct val="90000"/>
+            </a:lnSpc>
+            <a:spcBef>
+              <a:spcPct val="0"/>
+            </a:spcBef>
+            <a:spcAft>
+              <a:spcPct val="15000"/>
+            </a:spcAft>
+            <a:buChar char="••"/>
+          </a:pPr>
+          <a:r>
+            <a:rPr lang="en-US" sz="1300" kern="1200" dirty="0" smtClean="0"/>
+            <a:t>Regression with dummy variables</a:t>
           </a:r>
           <a:endParaRPr lang="en-US" sz="1300" kern="1200" dirty="0"/>
         </a:p>
@@ -3983,8 +4121,8 @@
         </a:p>
       </dsp:txBody>
       <dsp:txXfrm>
-        <a:off x="2736084" y="1015691"/>
-        <a:ext cx="1397851" cy="1925422"/>
+        <a:off x="2736084" y="998141"/>
+        <a:ext cx="1397851" cy="1960522"/>
       </dsp:txXfrm>
     </dsp:sp>
     <dsp:sp modelId="{F2B7D291-F96C-48F8-9E41-006A80918726}">
@@ -3994,7 +4132,7 @@
       </dsp:nvSpPr>
       <dsp:spPr>
         <a:xfrm>
-          <a:off x="4098398" y="493826"/>
+          <a:off x="4098398" y="476276"/>
           <a:ext cx="477200" cy="369679"/>
         </a:xfrm>
         <a:prstGeom prst="rightArrow">
@@ -4052,7 +4190,7 @@
         </a:p>
       </dsp:txBody>
       <dsp:txXfrm>
-        <a:off x="4098398" y="567762"/>
+        <a:off x="4098398" y="550212"/>
         <a:ext cx="366296" cy="221807"/>
       </dsp:txXfrm>
     </dsp:sp>
@@ -4063,7 +4201,7 @@
       </dsp:nvSpPr>
       <dsp:spPr>
         <a:xfrm>
-          <a:off x="4773682" y="385130"/>
+          <a:off x="4773682" y="367580"/>
           <a:ext cx="1484829" cy="880607"/>
         </a:xfrm>
         <a:prstGeom prst="roundRect">
@@ -4132,7 +4270,7 @@
         </a:p>
       </dsp:txBody>
       <dsp:txXfrm>
-        <a:off x="4773682" y="385130"/>
+        <a:off x="4773682" y="367580"/>
         <a:ext cx="1484829" cy="587071"/>
       </dsp:txXfrm>
     </dsp:sp>
@@ -4143,8 +4281,8 @@
       </dsp:nvSpPr>
       <dsp:spPr>
         <a:xfrm>
-          <a:off x="5077804" y="972202"/>
-          <a:ext cx="1484829" cy="2012400"/>
+          <a:off x="5077804" y="954652"/>
+          <a:ext cx="1484829" cy="2047500"/>
         </a:xfrm>
         <a:prstGeom prst="roundRect">
           <a:avLst>
@@ -4269,8 +4407,8 @@
         </a:p>
       </dsp:txBody>
       <dsp:txXfrm>
-        <a:off x="5121293" y="1015691"/>
-        <a:ext cx="1397851" cy="1925422"/>
+        <a:off x="5121293" y="998141"/>
+        <a:ext cx="1397851" cy="1960522"/>
       </dsp:txXfrm>
     </dsp:sp>
   </dsp:spTree>
@@ -7078,7 +7216,7 @@
           <a:p>
             <a:fld id="{4DFDB323-71AC-4B9B-B11D-8F90C9392045}" type="datetimeFigureOut">
               <a:rPr lang="en-US" smtClean="0"/>
-              <a:t>9/20/2021</a:t>
+              <a:t>12/16/2022</a:t>
             </a:fld>
             <a:endParaRPr lang="en-US"/>
           </a:p>
@@ -7248,7 +7386,7 @@
           <a:p>
             <a:fld id="{4DFDB323-71AC-4B9B-B11D-8F90C9392045}" type="datetimeFigureOut">
               <a:rPr lang="en-US" smtClean="0"/>
-              <a:t>9/20/2021</a:t>
+              <a:t>12/16/2022</a:t>
             </a:fld>
             <a:endParaRPr lang="en-US"/>
           </a:p>
@@ -7428,7 +7566,7 @@
           <a:p>
             <a:fld id="{4DFDB323-71AC-4B9B-B11D-8F90C9392045}" type="datetimeFigureOut">
               <a:rPr lang="en-US" smtClean="0"/>
-              <a:t>9/20/2021</a:t>
+              <a:t>12/16/2022</a:t>
             </a:fld>
             <a:endParaRPr lang="en-US"/>
           </a:p>
@@ -7598,7 +7736,7 @@
           <a:p>
             <a:fld id="{4DFDB323-71AC-4B9B-B11D-8F90C9392045}" type="datetimeFigureOut">
               <a:rPr lang="en-US" smtClean="0"/>
-              <a:t>9/20/2021</a:t>
+              <a:t>12/16/2022</a:t>
             </a:fld>
             <a:endParaRPr lang="en-US"/>
           </a:p>
@@ -7842,7 +7980,7 @@
           <a:p>
             <a:fld id="{4DFDB323-71AC-4B9B-B11D-8F90C9392045}" type="datetimeFigureOut">
               <a:rPr lang="en-US" smtClean="0"/>
-              <a:t>9/20/2021</a:t>
+              <a:t>12/16/2022</a:t>
             </a:fld>
             <a:endParaRPr lang="en-US"/>
           </a:p>
@@ -8074,7 +8212,7 @@
           <a:p>
             <a:fld id="{4DFDB323-71AC-4B9B-B11D-8F90C9392045}" type="datetimeFigureOut">
               <a:rPr lang="en-US" smtClean="0"/>
-              <a:t>9/20/2021</a:t>
+              <a:t>12/16/2022</a:t>
             </a:fld>
             <a:endParaRPr lang="en-US"/>
           </a:p>
@@ -8441,7 +8579,7 @@
           <a:p>
             <a:fld id="{4DFDB323-71AC-4B9B-B11D-8F90C9392045}" type="datetimeFigureOut">
               <a:rPr lang="en-US" smtClean="0"/>
-              <a:t>9/20/2021</a:t>
+              <a:t>12/16/2022</a:t>
             </a:fld>
             <a:endParaRPr lang="en-US"/>
           </a:p>
@@ -8559,7 +8697,7 @@
           <a:p>
             <a:fld id="{4DFDB323-71AC-4B9B-B11D-8F90C9392045}" type="datetimeFigureOut">
               <a:rPr lang="en-US" smtClean="0"/>
-              <a:t>9/20/2021</a:t>
+              <a:t>12/16/2022</a:t>
             </a:fld>
             <a:endParaRPr lang="en-US"/>
           </a:p>
@@ -8654,7 +8792,7 @@
           <a:p>
             <a:fld id="{4DFDB323-71AC-4B9B-B11D-8F90C9392045}" type="datetimeFigureOut">
               <a:rPr lang="en-US" smtClean="0"/>
-              <a:t>9/20/2021</a:t>
+              <a:t>12/16/2022</a:t>
             </a:fld>
             <a:endParaRPr lang="en-US"/>
           </a:p>
@@ -8931,7 +9069,7 @@
           <a:p>
             <a:fld id="{4DFDB323-71AC-4B9B-B11D-8F90C9392045}" type="datetimeFigureOut">
               <a:rPr lang="en-US" smtClean="0"/>
-              <a:t>9/20/2021</a:t>
+              <a:t>12/16/2022</a:t>
             </a:fld>
             <a:endParaRPr lang="en-US"/>
           </a:p>
@@ -9188,7 +9326,7 @@
           <a:p>
             <a:fld id="{4DFDB323-71AC-4B9B-B11D-8F90C9392045}" type="datetimeFigureOut">
               <a:rPr lang="en-US" smtClean="0"/>
-              <a:t>9/20/2021</a:t>
+              <a:t>12/16/2022</a:t>
             </a:fld>
             <a:endParaRPr lang="en-US"/>
           </a:p>
@@ -9401,7 +9539,7 @@
           <a:p>
             <a:fld id="{4DFDB323-71AC-4B9B-B11D-8F90C9392045}" type="datetimeFigureOut">
               <a:rPr lang="en-US" smtClean="0"/>
-              <a:t>9/20/2021</a:t>
+              <a:t>12/16/2022</a:t>
             </a:fld>
             <a:endParaRPr lang="en-US"/>
           </a:p>
@@ -9813,7 +9951,7 @@
           <p:nvPr>
             <p:extLst>
               <p:ext uri="{D42A27DB-BD31-4B8C-83A1-F6EECF244321}">
-                <p14:modId xmlns:p14="http://schemas.microsoft.com/office/powerpoint/2010/main" val="1770507003"/>
+                <p14:modId xmlns:p14="http://schemas.microsoft.com/office/powerpoint/2010/main" val="799161334"/>
               </p:ext>
             </p:extLst>
           </p:nvPr>
@@ -9835,7 +9973,7 @@
           <p:nvPr>
             <p:extLst>
               <p:ext uri="{D42A27DB-BD31-4B8C-83A1-F6EECF244321}">
-                <p14:modId xmlns:p14="http://schemas.microsoft.com/office/powerpoint/2010/main" val="469307376"/>
+                <p14:modId xmlns:p14="http://schemas.microsoft.com/office/powerpoint/2010/main" val="1899346321"/>
               </p:ext>
             </p:extLst>
           </p:nvPr>
